--- a/k-yoshida/Data Preprocessing.pptx
+++ b/k-yoshida/Data Preprocessing.pptx
@@ -1149,7 +1149,7 @@
           <a:p>
             <a:fld id="{35AF1AB0-152F-4944-8B0B-D6AC80456478}" type="datetimeFigureOut">
               <a:rPr kumimoji="1" lang="ja-JP" altLang="en-US" smtClean="0"/>
-              <a:t>2018/12/26</a:t>
+              <a:t>2019/1/16</a:t>
             </a:fld>
             <a:endParaRPr kumimoji="1" lang="ja-JP" altLang="en-US"/>
           </a:p>
@@ -1888,7 +1888,7 @@
           <a:p>
             <a:fld id="{9162DFDF-7161-450E-AA25-87B734D9927A}" type="datetime1">
               <a:rPr kumimoji="1" lang="ja-JP" altLang="en-US" smtClean="0"/>
-              <a:t>2018/12/26</a:t>
+              <a:t>2019/1/16</a:t>
             </a:fld>
             <a:endParaRPr kumimoji="1" lang="ja-JP" altLang="en-US"/>
           </a:p>
@@ -2120,7 +2120,7 @@
           <a:p>
             <a:fld id="{05170B31-FCB0-4503-B8DD-4901361C2F6F}" type="datetime1">
               <a:rPr kumimoji="1" lang="ja-JP" altLang="en-US" smtClean="0"/>
-              <a:t>2018/12/26</a:t>
+              <a:t>2019/1/16</a:t>
             </a:fld>
             <a:endParaRPr kumimoji="1" lang="ja-JP" altLang="en-US"/>
           </a:p>
@@ -2327,7 +2327,7 @@
           <a:p>
             <a:fld id="{A285A42D-9368-4BB8-90BE-0F899494FD93}" type="datetime1">
               <a:rPr kumimoji="1" lang="ja-JP" altLang="en-US" smtClean="0"/>
-              <a:t>2018/12/26</a:t>
+              <a:t>2019/1/16</a:t>
             </a:fld>
             <a:endParaRPr kumimoji="1" lang="ja-JP" altLang="en-US"/>
           </a:p>
@@ -2524,7 +2524,7 @@
           <a:p>
             <a:fld id="{AC56DD09-0C5E-431E-AADA-074A2AD145DD}" type="datetime1">
               <a:rPr kumimoji="1" lang="ja-JP" altLang="en-US" smtClean="0"/>
-              <a:t>2018/12/26</a:t>
+              <a:t>2019/1/16</a:t>
             </a:fld>
             <a:endParaRPr kumimoji="1" lang="ja-JP" altLang="en-US"/>
           </a:p>
@@ -2772,7 +2772,7 @@
           <a:p>
             <a:fld id="{E3F455DD-B8CA-4C30-97FD-952368997C4F}" type="datetime1">
               <a:rPr kumimoji="1" lang="ja-JP" altLang="en-US" smtClean="0"/>
-              <a:t>2018/12/26</a:t>
+              <a:t>2019/1/16</a:t>
             </a:fld>
             <a:endParaRPr kumimoji="1" lang="ja-JP" altLang="en-US"/>
           </a:p>
@@ -3154,7 +3154,7 @@
           <a:p>
             <a:fld id="{6AD42BE7-B330-4BC3-BB4C-EE0029A16A41}" type="datetime1">
               <a:rPr kumimoji="1" lang="ja-JP" altLang="en-US" smtClean="0"/>
-              <a:t>2018/12/26</a:t>
+              <a:t>2019/1/16</a:t>
             </a:fld>
             <a:endParaRPr kumimoji="1" lang="ja-JP" altLang="en-US"/>
           </a:p>
@@ -3684,7 +3684,7 @@
           <a:p>
             <a:fld id="{68A324F7-1AF9-496C-9147-148D735ACB58}" type="datetime1">
               <a:rPr kumimoji="1" lang="ja-JP" altLang="en-US" smtClean="0"/>
-              <a:t>2018/12/26</a:t>
+              <a:t>2019/1/16</a:t>
             </a:fld>
             <a:endParaRPr kumimoji="1" lang="ja-JP" altLang="en-US"/>
           </a:p>
@@ -3832,7 +3832,7 @@
           <a:p>
             <a:fld id="{27AA0BA3-AB01-4609-88A0-55AAC0CC76BD}" type="datetime1">
               <a:rPr kumimoji="1" lang="ja-JP" altLang="en-US" smtClean="0"/>
-              <a:t>2018/12/26</a:t>
+              <a:t>2019/1/16</a:t>
             </a:fld>
             <a:endParaRPr kumimoji="1" lang="ja-JP" altLang="en-US"/>
           </a:p>
@@ -3922,7 +3922,7 @@
           <a:p>
             <a:fld id="{0CFBF5D4-B5CC-4467-B796-C67F515DE3C5}" type="datetime1">
               <a:rPr kumimoji="1" lang="ja-JP" altLang="en-US" smtClean="0"/>
-              <a:t>2018/12/26</a:t>
+              <a:t>2019/1/16</a:t>
             </a:fld>
             <a:endParaRPr kumimoji="1" lang="ja-JP" altLang="en-US"/>
           </a:p>
@@ -4228,7 +4228,7 @@
           <a:p>
             <a:fld id="{A0163980-AAA3-47F9-A262-0D3864F1B223}" type="datetime1">
               <a:rPr kumimoji="1" lang="ja-JP" altLang="en-US" smtClean="0"/>
-              <a:t>2018/12/26</a:t>
+              <a:t>2019/1/16</a:t>
             </a:fld>
             <a:endParaRPr kumimoji="1" lang="ja-JP" altLang="en-US"/>
           </a:p>
@@ -4533,7 +4533,7 @@
           <a:p>
             <a:fld id="{848859B9-DC56-434E-8346-7979ED5DF987}" type="datetime1">
               <a:rPr kumimoji="1" lang="ja-JP" altLang="en-US" smtClean="0"/>
-              <a:t>2018/12/26</a:t>
+              <a:t>2019/1/16</a:t>
             </a:fld>
             <a:endParaRPr kumimoji="1" lang="ja-JP" altLang="en-US"/>
           </a:p>
@@ -4863,7 +4863,7 @@
           <a:p>
             <a:fld id="{8A9F02A4-63CC-4654-A6E7-8D37C032D0CA}" type="datetime1">
               <a:rPr kumimoji="1" lang="ja-JP" altLang="en-US" smtClean="0"/>
-              <a:t>2018/12/26</a:t>
+              <a:t>2019/1/16</a:t>
             </a:fld>
             <a:endParaRPr kumimoji="1" lang="ja-JP" altLang="en-US"/>
           </a:p>
@@ -9842,11 +9842,7 @@
             </a:r>
             <a:r>
               <a:rPr lang="ja-JP" altLang="en-US" sz="2200" dirty="0" smtClean="0"/>
-              <a:t>をかけても</a:t>
-            </a:r>
-            <a:r>
-              <a:rPr lang="ja-JP" altLang="en-US" sz="2200" dirty="0" smtClean="0"/>
-              <a:t>、</a:t>
+              <a:t>をかけても、</a:t>
             </a:r>
             <a:r>
               <a:rPr lang="en-US" altLang="ja-JP" sz="2200" dirty="0" err="1" smtClean="0"/>
@@ -12872,7 +12868,7 @@
           <p:nvPr>
             <p:extLst>
               <p:ext uri="{D42A27DB-BD31-4B8C-83A1-F6EECF244321}">
-                <p14:modId xmlns:p14="http://schemas.microsoft.com/office/powerpoint/2010/main" val="4033216093"/>
+                <p14:modId xmlns:p14="http://schemas.microsoft.com/office/powerpoint/2010/main" val="1954833401"/>
               </p:ext>
             </p:extLst>
           </p:nvPr>
@@ -12943,8 +12939,8 @@
                     <a:lstStyle/>
                     <a:p>
                       <a:r>
-                        <a:rPr kumimoji="1" lang="en-US" altLang="ja-JP" dirty="0"/>
-                        <a:t>DataPreprocessing2.ipynb</a:t>
+                        <a:rPr kumimoji="1" lang="en-US" altLang="ja-JP" dirty="0" smtClean="0"/>
+                        <a:t>DataPreprocessing1.ipynb</a:t>
                       </a:r>
                       <a:endParaRPr kumimoji="1" lang="ja-JP" altLang="en-US" dirty="0"/>
                     </a:p>
@@ -15273,11 +15269,7 @@
             </a:r>
             <a:r>
               <a:rPr lang="ja-JP" altLang="en-US" dirty="0" smtClean="0"/>
-              <a:t>一旦数値化する</a:t>
-            </a:r>
-            <a:r>
-              <a:rPr lang="ja-JP" altLang="en-US" dirty="0" smtClean="0"/>
-              <a:t>。</a:t>
+              <a:t>一旦数値化する。</a:t>
             </a:r>
             <a:endParaRPr lang="en-US" altLang="ja-JP" dirty="0" smtClean="0"/>
           </a:p>
@@ -16685,7 +16677,7 @@
           <p:nvPr>
             <p:extLst>
               <p:ext uri="{D42A27DB-BD31-4B8C-83A1-F6EECF244321}">
-                <p14:modId xmlns:p14="http://schemas.microsoft.com/office/powerpoint/2010/main" val="1902415442"/>
+                <p14:modId xmlns:p14="http://schemas.microsoft.com/office/powerpoint/2010/main" val="980928330"/>
               </p:ext>
             </p:extLst>
           </p:nvPr>
@@ -16756,8 +16748,8 @@
                     <a:lstStyle/>
                     <a:p>
                       <a:r>
-                        <a:rPr kumimoji="1" lang="en-US" altLang="ja-JP" dirty="0"/>
-                        <a:t>DataPreprocessing2.ipynb</a:t>
+                        <a:rPr kumimoji="1" lang="en-US" altLang="ja-JP" dirty="0" smtClean="0"/>
+                        <a:t>DataPreprocessing1.ipynb</a:t>
                       </a:r>
                       <a:endParaRPr kumimoji="1" lang="ja-JP" altLang="en-US" dirty="0"/>
                     </a:p>
